--- a/모듈형 모노리스.pptx
+++ b/모듈형 모노리스.pptx
@@ -5,7 +5,7 @@
     <p:sldMasterId id="2147483648" r:id="rId1"/>
   </p:sldMasterIdLst>
   <p:notesMasterIdLst>
-    <p:notesMasterId r:id="rId9"/>
+    <p:notesMasterId r:id="rId10"/>
   </p:notesMasterIdLst>
   <p:sldIdLst>
     <p:sldId id="256" r:id="rId2"/>
@@ -14,7 +14,8 @@
     <p:sldId id="267" r:id="rId5"/>
     <p:sldId id="268" r:id="rId6"/>
     <p:sldId id="269" r:id="rId7"/>
-    <p:sldId id="264" r:id="rId8"/>
+    <p:sldId id="270" r:id="rId8"/>
+    <p:sldId id="264" r:id="rId9"/>
   </p:sldIdLst>
   <p:sldSz cx="18288000" cy="10287000"/>
   <p:notesSz cx="10287000" cy="18288000"/>
@@ -2161,79 +2162,7 @@
                 <a:ea typeface="+mn-ea"/>
                 <a:cs typeface="+mn-cs"/>
               </a:rPr>
-              <a:t>주어진 상황에 따라 적절한 도구를 선택하기 이 모든 것을 만족하는 것이 바로 </a:t>
-            </a:r>
-            <a:r>
-              <a:rPr lang="ko-KR" altLang="en-US" sz="1200" b="0" i="0" kern="1200" dirty="0" err="1">
-                <a:solidFill>
-                  <a:schemeClr val="tx1"/>
-                </a:solidFill>
-                <a:effectLst/>
-                <a:latin typeface="+mn-lt"/>
-                <a:ea typeface="+mn-ea"/>
-                <a:cs typeface="+mn-cs"/>
-              </a:rPr>
-              <a:t>모놀리식의</a:t>
-            </a:r>
-            <a:r>
-              <a:rPr lang="ko-KR" altLang="en-US" sz="1200" b="0" i="0" kern="1200" dirty="0">
-                <a:solidFill>
-                  <a:schemeClr val="tx1"/>
-                </a:solidFill>
-                <a:effectLst/>
-                <a:latin typeface="+mn-lt"/>
-                <a:ea typeface="+mn-ea"/>
-                <a:cs typeface="+mn-cs"/>
-              </a:rPr>
-              <a:t> 무거움 </a:t>
-            </a:r>
-            <a:r>
-              <a:rPr lang="en-US" altLang="ko-KR" sz="1200" b="0" i="0" kern="1200" dirty="0">
-                <a:solidFill>
-                  <a:schemeClr val="tx1"/>
-                </a:solidFill>
-                <a:effectLst/>
-                <a:latin typeface="+mn-lt"/>
-                <a:ea typeface="+mn-ea"/>
-                <a:cs typeface="+mn-cs"/>
-              </a:rPr>
-              <a:t>+ MSA</a:t>
-            </a:r>
-            <a:r>
-              <a:rPr lang="ko-KR" altLang="en-US" sz="1200" b="0" i="0" kern="1200" dirty="0">
-                <a:solidFill>
-                  <a:schemeClr val="tx1"/>
-                </a:solidFill>
-                <a:effectLst/>
-                <a:latin typeface="+mn-lt"/>
-                <a:ea typeface="+mn-ea"/>
-                <a:cs typeface="+mn-cs"/>
-              </a:rPr>
-              <a:t>의 지나친 산만함에서 각각의 장점을 취한 모듈형 </a:t>
-            </a:r>
-            <a:r>
-              <a:rPr lang="ko-KR" altLang="en-US" sz="1200" b="0" i="0" kern="1200" dirty="0" err="1">
-                <a:solidFill>
-                  <a:schemeClr val="tx1"/>
-                </a:solidFill>
-                <a:effectLst/>
-                <a:latin typeface="+mn-lt"/>
-                <a:ea typeface="+mn-ea"/>
-                <a:cs typeface="+mn-cs"/>
-              </a:rPr>
-              <a:t>모노리스입니다</a:t>
-            </a:r>
-            <a:r>
-              <a:rPr lang="en-US" altLang="ko-KR" sz="1200" b="0" i="0" kern="1200" dirty="0">
-                <a:solidFill>
-                  <a:schemeClr val="tx1"/>
-                </a:solidFill>
-                <a:effectLst/>
-                <a:latin typeface="+mn-lt"/>
-                <a:ea typeface="+mn-ea"/>
-                <a:cs typeface="+mn-cs"/>
-              </a:rPr>
-              <a:t>.</a:t>
+              <a:t>주어진 상황에 따라 적절한 도구를 선택하기 이 모든 것을 만족하는 것이</a:t>
             </a:r>
             <a:endParaRPr lang="en-US" altLang="ko-KR" dirty="0"/>
           </a:p>
@@ -2266,6 +2195,174 @@
     <p:extLst>
       <p:ext uri="{BB962C8B-B14F-4D97-AF65-F5344CB8AC3E}">
         <p14:creationId xmlns:p14="http://schemas.microsoft.com/office/powerpoint/2010/main" val="26860835"/>
+      </p:ext>
+    </p:extLst>
+  </p:cSld>
+  <p:clrMapOvr>
+    <a:masterClrMapping/>
+  </p:clrMapOvr>
+</p:notes>
+</file>
+
+<file path=ppt/notesSlides/notesSlide7.xml><?xml version="1.0" encoding="utf-8"?>
+<p:notes xmlns:a="http://schemas.openxmlformats.org/drawingml/2006/main" xmlns:r="http://schemas.openxmlformats.org/officeDocument/2006/relationships" xmlns:p="http://schemas.openxmlformats.org/presentationml/2006/main">
+  <p:cSld>
+    <p:spTree>
+      <p:nvGrpSpPr>
+        <p:cNvPr id="1" name=""/>
+        <p:cNvGrpSpPr/>
+        <p:nvPr/>
+      </p:nvGrpSpPr>
+      <p:grpSpPr>
+        <a:xfrm>
+          <a:off x="0" y="0"/>
+          <a:ext cx="0" cy="0"/>
+          <a:chOff x="0" y="0"/>
+          <a:chExt cx="0" cy="0"/>
+        </a:xfrm>
+      </p:grpSpPr>
+      <p:sp>
+        <p:nvSpPr>
+          <p:cNvPr id="2" name="슬라이드 이미지 개체 틀 1"/>
+          <p:cNvSpPr>
+            <a:spLocks noGrp="1" noRot="1" noChangeAspect="1"/>
+          </p:cNvSpPr>
+          <p:nvPr>
+            <p:ph type="sldImg"/>
+          </p:nvPr>
+        </p:nvSpPr>
+        <p:spPr/>
+      </p:sp>
+      <p:sp>
+        <p:nvSpPr>
+          <p:cNvPr id="3" name="슬라이드 노트 개체 틀 2"/>
+          <p:cNvSpPr>
+            <a:spLocks noGrp="1"/>
+          </p:cNvSpPr>
+          <p:nvPr>
+            <p:ph type="body" idx="1"/>
+          </p:nvPr>
+        </p:nvSpPr>
+        <p:spPr/>
+        <p:txBody>
+          <a:bodyPr/>
+          <a:lstStyle/>
+          <a:p>
+            <a:r>
+              <a:rPr lang="ko-KR" altLang="en-US" sz="1200" b="0" i="0" kern="1200" dirty="0">
+                <a:solidFill>
+                  <a:schemeClr val="tx1"/>
+                </a:solidFill>
+                <a:effectLst/>
+                <a:latin typeface="+mn-lt"/>
+                <a:ea typeface="+mn-ea"/>
+                <a:cs typeface="+mn-cs"/>
+              </a:rPr>
+              <a:t>바로 </a:t>
+            </a:r>
+            <a:r>
+              <a:rPr lang="ko-KR" altLang="en-US" sz="1200" b="0" i="0" kern="1200" dirty="0" err="1">
+                <a:solidFill>
+                  <a:schemeClr val="tx1"/>
+                </a:solidFill>
+                <a:effectLst/>
+                <a:latin typeface="+mn-lt"/>
+                <a:ea typeface="+mn-ea"/>
+                <a:cs typeface="+mn-cs"/>
+              </a:rPr>
+              <a:t>모놀리식의</a:t>
+            </a:r>
+            <a:r>
+              <a:rPr lang="ko-KR" altLang="en-US" sz="1200" b="0" i="0" kern="1200" dirty="0">
+                <a:solidFill>
+                  <a:schemeClr val="tx1"/>
+                </a:solidFill>
+                <a:effectLst/>
+                <a:latin typeface="+mn-lt"/>
+                <a:ea typeface="+mn-ea"/>
+                <a:cs typeface="+mn-cs"/>
+              </a:rPr>
+              <a:t> 무거움 </a:t>
+            </a:r>
+            <a:r>
+              <a:rPr lang="en-US" altLang="ko-KR" sz="1200" b="0" i="0" kern="1200" dirty="0">
+                <a:solidFill>
+                  <a:schemeClr val="tx1"/>
+                </a:solidFill>
+                <a:effectLst/>
+                <a:latin typeface="+mn-lt"/>
+                <a:ea typeface="+mn-ea"/>
+                <a:cs typeface="+mn-cs"/>
+              </a:rPr>
+              <a:t>+ MSA</a:t>
+            </a:r>
+            <a:r>
+              <a:rPr lang="ko-KR" altLang="en-US" sz="1200" b="0" i="0" kern="1200" dirty="0">
+                <a:solidFill>
+                  <a:schemeClr val="tx1"/>
+                </a:solidFill>
+                <a:effectLst/>
+                <a:latin typeface="+mn-lt"/>
+                <a:ea typeface="+mn-ea"/>
+                <a:cs typeface="+mn-cs"/>
+              </a:rPr>
+              <a:t>의 지나친 산만함에서 각각의 장점만을 취한 모듈형 </a:t>
+            </a:r>
+            <a:r>
+              <a:rPr lang="ko-KR" altLang="en-US" sz="1200" b="0" i="0" kern="1200" dirty="0" err="1">
+                <a:solidFill>
+                  <a:schemeClr val="tx1"/>
+                </a:solidFill>
+                <a:effectLst/>
+                <a:latin typeface="+mn-lt"/>
+                <a:ea typeface="+mn-ea"/>
+                <a:cs typeface="+mn-cs"/>
+              </a:rPr>
+              <a:t>모노리스입니다</a:t>
+            </a:r>
+            <a:r>
+              <a:rPr lang="en-US" altLang="ko-KR" sz="1200" b="0" i="0" kern="1200" dirty="0">
+                <a:solidFill>
+                  <a:schemeClr val="tx1"/>
+                </a:solidFill>
+                <a:effectLst/>
+                <a:latin typeface="+mn-lt"/>
+                <a:ea typeface="+mn-ea"/>
+                <a:cs typeface="+mn-cs"/>
+              </a:rPr>
+              <a:t>.</a:t>
+            </a:r>
+            <a:endParaRPr lang="en-US" altLang="ko-KR" dirty="0"/>
+          </a:p>
+        </p:txBody>
+      </p:sp>
+      <p:sp>
+        <p:nvSpPr>
+          <p:cNvPr id="4" name="슬라이드 번호 개체 틀 3"/>
+          <p:cNvSpPr>
+            <a:spLocks noGrp="1"/>
+          </p:cNvSpPr>
+          <p:nvPr>
+            <p:ph type="sldNum" sz="quarter" idx="5"/>
+          </p:nvPr>
+        </p:nvSpPr>
+        <p:spPr/>
+        <p:txBody>
+          <a:bodyPr/>
+          <a:lstStyle/>
+          <a:p>
+            <a:fld id="{D083FCB0-CE4C-4BA3-9EA8-DB7A5FAC7197}" type="slidenum">
+              <a:rPr lang="ko-KR" altLang="en-US" smtClean="0"/>
+              <a:t>7</a:t>
+            </a:fld>
+            <a:endParaRPr lang="ko-KR" altLang="en-US"/>
+          </a:p>
+        </p:txBody>
+      </p:sp>
+    </p:spTree>
+    <p:extLst>
+      <p:ext uri="{BB962C8B-B14F-4D97-AF65-F5344CB8AC3E}">
+        <p14:creationId xmlns:p14="http://schemas.microsoft.com/office/powerpoint/2010/main" val="244595066"/>
       </p:ext>
     </p:extLst>
   </p:cSld>
@@ -5295,11 +5392,11 @@
   <p:clrMapOvr>
     <a:masterClrMapping/>
   </p:clrMapOvr>
-  <mc:AlternateContent xmlns:mc="http://schemas.openxmlformats.org/markup-compatibility/2006">
-    <mc:Choice xmlns:p14="http://schemas.microsoft.com/office/powerpoint/2010/main" Requires="p14">
+  <mc:AlternateContent xmlns:mc="http://schemas.openxmlformats.org/markup-compatibility/2006" xmlns:p14="http://schemas.microsoft.com/office/powerpoint/2010/main">
+    <mc:Choice Requires="p14">
       <p:transition spd="slow" p14:dur="2000" advTm="2322"/>
     </mc:Choice>
-    <mc:Fallback>
+    <mc:Fallback xmlns="">
       <p:transition spd="slow" advTm="2322"/>
     </mc:Fallback>
   </mc:AlternateContent>
@@ -9467,6 +9564,300 @@
 
 <file path=ppt/slides/slide7.xml><?xml version="1.0" encoding="utf-8"?>
 <p:sld xmlns:a="http://schemas.openxmlformats.org/drawingml/2006/main" xmlns:r="http://schemas.openxmlformats.org/officeDocument/2006/relationships" xmlns:p="http://schemas.openxmlformats.org/presentationml/2006/main">
+  <p:cSld>
+    <p:bg>
+      <p:bgPr>
+        <a:solidFill>
+          <a:srgbClr val="FFFFFF"/>
+        </a:solidFill>
+        <a:effectLst/>
+      </p:bgPr>
+    </p:bg>
+    <p:spTree>
+      <p:nvGrpSpPr>
+        <p:cNvPr id="1" name=""/>
+        <p:cNvGrpSpPr/>
+        <p:nvPr/>
+      </p:nvGrpSpPr>
+      <p:grpSpPr>
+        <a:xfrm>
+          <a:off x="0" y="0"/>
+          <a:ext cx="0" cy="0"/>
+          <a:chOff x="0" y="0"/>
+          <a:chExt cx="0" cy="0"/>
+        </a:xfrm>
+      </p:grpSpPr>
+      <p:sp>
+        <p:nvSpPr>
+          <p:cNvPr id="4" name="Object 4"/>
+          <p:cNvSpPr txBox="1"/>
+          <p:nvPr/>
+        </p:nvSpPr>
+        <p:spPr>
+          <a:xfrm>
+            <a:off x="580602" y="364942"/>
+            <a:ext cx="9325398" cy="1349558"/>
+          </a:xfrm>
+          <a:prstGeom prst="rect">
+            <a:avLst/>
+          </a:prstGeom>
+          <a:noFill/>
+        </p:spPr>
+        <p:txBody>
+          <a:bodyPr wrap="square" rtlCol="0"/>
+          <a:lstStyle/>
+          <a:p>
+            <a:pPr algn="just"/>
+            <a:r>
+              <a:rPr lang="ko-KR" altLang="en-US" sz="7200" kern="0" spc="-800" dirty="0">
+                <a:solidFill>
+                  <a:srgbClr val="000000"/>
+                </a:solidFill>
+                <a:latin typeface="에스코어 드림 5" pitchFamily="34" charset="0"/>
+              </a:rPr>
+              <a:t>결론</a:t>
+            </a:r>
+            <a:endParaRPr lang="en-US" sz="1600" dirty="0"/>
+          </a:p>
+        </p:txBody>
+      </p:sp>
+      <p:grpSp>
+        <p:nvGrpSpPr>
+          <p:cNvPr id="1002" name="그룹 1002"/>
+          <p:cNvGrpSpPr/>
+          <p:nvPr/>
+        </p:nvGrpSpPr>
+        <p:grpSpPr>
+          <a:xfrm>
+            <a:off x="429299" y="1312166"/>
+            <a:ext cx="10314901" cy="313458"/>
+            <a:chOff x="5358343" y="639654"/>
+            <a:chExt cx="12520386" cy="313458"/>
+          </a:xfrm>
+        </p:grpSpPr>
+        <p:pic>
+          <p:nvPicPr>
+            <p:cNvPr id="15" name="Object 14"/>
+            <p:cNvPicPr>
+              <a:picLocks noChangeAspect="1"/>
+            </p:cNvPicPr>
+            <p:nvPr/>
+          </p:nvPicPr>
+          <p:blipFill>
+            <a:blip r:embed="rId3" cstate="print"/>
+            <a:stretch>
+              <a:fillRect/>
+            </a:stretch>
+          </p:blipFill>
+          <p:spPr>
+            <a:xfrm>
+              <a:off x="5358343" y="639654"/>
+              <a:ext cx="12520386" cy="313458"/>
+            </a:xfrm>
+            <a:prstGeom prst="rect">
+              <a:avLst/>
+            </a:prstGeom>
+          </p:spPr>
+        </p:pic>
+      </p:grpSp>
+      <p:pic>
+        <p:nvPicPr>
+          <p:cNvPr id="9" name="그림 8">
+            <a:extLst>
+              <a:ext uri="{FF2B5EF4-FFF2-40B4-BE49-F238E27FC236}">
+                <a16:creationId xmlns:a16="http://schemas.microsoft.com/office/drawing/2014/main" id="{5433678D-12DC-4EAD-A480-9FFF7ED24971}"/>
+              </a:ext>
+            </a:extLst>
+          </p:cNvPr>
+          <p:cNvPicPr>
+            <a:picLocks noChangeAspect="1"/>
+          </p:cNvPicPr>
+          <p:nvPr/>
+        </p:nvPicPr>
+        <p:blipFill>
+          <a:blip r:embed="rId4"/>
+          <a:stretch>
+            <a:fillRect/>
+          </a:stretch>
+        </p:blipFill>
+        <p:spPr>
+          <a:xfrm>
+            <a:off x="1078370" y="1714500"/>
+            <a:ext cx="4236275" cy="7471855"/>
+          </a:xfrm>
+          <a:prstGeom prst="rect">
+            <a:avLst/>
+          </a:prstGeom>
+        </p:spPr>
+      </p:pic>
+      <p:sp>
+        <p:nvSpPr>
+          <p:cNvPr id="2" name="십자형 1">
+            <a:extLst>
+              <a:ext uri="{FF2B5EF4-FFF2-40B4-BE49-F238E27FC236}">
+                <a16:creationId xmlns:a16="http://schemas.microsoft.com/office/drawing/2014/main" id="{5E6581F8-9192-4769-B2FA-DC2AC771193D}"/>
+              </a:ext>
+            </a:extLst>
+          </p:cNvPr>
+          <p:cNvSpPr/>
+          <p:nvPr/>
+        </p:nvSpPr>
+        <p:spPr>
+          <a:xfrm>
+            <a:off x="7333841" y="3886200"/>
+            <a:ext cx="2514600" cy="2514600"/>
+          </a:xfrm>
+          <a:prstGeom prst="plus">
+            <a:avLst>
+              <a:gd name="adj" fmla="val 38932"/>
+            </a:avLst>
+          </a:prstGeom>
+        </p:spPr>
+        <p:style>
+          <a:lnRef idx="2">
+            <a:schemeClr val="accent1">
+              <a:shade val="50000"/>
+            </a:schemeClr>
+          </a:lnRef>
+          <a:fillRef idx="1">
+            <a:schemeClr val="accent1"/>
+          </a:fillRef>
+          <a:effectRef idx="0">
+            <a:schemeClr val="accent1"/>
+          </a:effectRef>
+          <a:fontRef idx="minor">
+            <a:schemeClr val="lt1"/>
+          </a:fontRef>
+        </p:style>
+        <p:txBody>
+          <a:bodyPr rtlCol="0" anchor="ctr"/>
+          <a:lstStyle/>
+          <a:p>
+            <a:pPr algn="ctr"/>
+            <a:endParaRPr lang="ko-KR" altLang="en-US"/>
+          </a:p>
+        </p:txBody>
+      </p:sp>
+      <p:pic>
+        <p:nvPicPr>
+          <p:cNvPr id="11" name="그림 10">
+            <a:extLst>
+              <a:ext uri="{FF2B5EF4-FFF2-40B4-BE49-F238E27FC236}">
+                <a16:creationId xmlns:a16="http://schemas.microsoft.com/office/drawing/2014/main" id="{3C9A3B32-5640-473C-894E-7CF992A726AF}"/>
+              </a:ext>
+            </a:extLst>
+          </p:cNvPr>
+          <p:cNvPicPr>
+            <a:picLocks noChangeAspect="1"/>
+          </p:cNvPicPr>
+          <p:nvPr/>
+        </p:nvPicPr>
+        <p:blipFill>
+          <a:blip r:embed="rId5"/>
+          <a:stretch>
+            <a:fillRect/>
+          </a:stretch>
+        </p:blipFill>
+        <p:spPr>
+          <a:xfrm>
+            <a:off x="11867637" y="2154349"/>
+            <a:ext cx="4236275" cy="6470794"/>
+          </a:xfrm>
+          <a:prstGeom prst="rect">
+            <a:avLst/>
+          </a:prstGeom>
+        </p:spPr>
+      </p:pic>
+    </p:spTree>
+    <p:extLst>
+      <p:ext uri="{BB962C8B-B14F-4D97-AF65-F5344CB8AC3E}">
+        <p14:creationId xmlns:p14="http://schemas.microsoft.com/office/powerpoint/2010/main" val="360520114"/>
+      </p:ext>
+    </p:extLst>
+  </p:cSld>
+  <p:clrMapOvr>
+    <a:masterClrMapping/>
+  </p:clrMapOvr>
+  <p:timing>
+    <p:tnLst>
+      <p:par>
+        <p:cTn id="1" dur="indefinite" restart="never" nodeType="tmRoot">
+          <p:childTnLst>
+            <p:seq concurrent="1" nextAc="seek">
+              <p:cTn id="2" dur="indefinite" nodeType="mainSeq">
+                <p:childTnLst>
+                  <p:par>
+                    <p:cTn id="3" fill="hold">
+                      <p:stCondLst>
+                        <p:cond delay="indefinite"/>
+                      </p:stCondLst>
+                      <p:childTnLst>
+                        <p:par>
+                          <p:cTn id="4" fill="hold">
+                            <p:stCondLst>
+                              <p:cond delay="0"/>
+                            </p:stCondLst>
+                            <p:childTnLst>
+                              <p:par>
+                                <p:cTn id="5" presetID="1" presetClass="entr" presetSubtype="0" fill="hold" nodeType="clickEffect">
+                                  <p:stCondLst>
+                                    <p:cond delay="0"/>
+                                  </p:stCondLst>
+                                  <p:childTnLst>
+                                    <p:set>
+                                      <p:cBhvr>
+                                        <p:cTn id="6" dur="1" fill="hold">
+                                          <p:stCondLst>
+                                            <p:cond delay="0"/>
+                                          </p:stCondLst>
+                                        </p:cTn>
+                                        <p:tgtEl>
+                                          <p:spTgt spid="9"/>
+                                        </p:tgtEl>
+                                        <p:attrNameLst>
+                                          <p:attrName>style.visibility</p:attrName>
+                                        </p:attrNameLst>
+                                      </p:cBhvr>
+                                      <p:to>
+                                        <p:strVal val="visible"/>
+                                      </p:to>
+                                    </p:set>
+                                  </p:childTnLst>
+                                </p:cTn>
+                              </p:par>
+                            </p:childTnLst>
+                          </p:cTn>
+                        </p:par>
+                      </p:childTnLst>
+                    </p:cTn>
+                  </p:par>
+                </p:childTnLst>
+              </p:cTn>
+              <p:prevCondLst>
+                <p:cond evt="onPrev" delay="0">
+                  <p:tgtEl>
+                    <p:sldTgt/>
+                  </p:tgtEl>
+                </p:cond>
+              </p:prevCondLst>
+              <p:nextCondLst>
+                <p:cond evt="onNext" delay="0">
+                  <p:tgtEl>
+                    <p:sldTgt/>
+                  </p:tgtEl>
+                </p:cond>
+              </p:nextCondLst>
+            </p:seq>
+          </p:childTnLst>
+        </p:cTn>
+      </p:par>
+    </p:tnLst>
+  </p:timing>
+</p:sld>
+</file>
+
+<file path=ppt/slides/slide8.xml><?xml version="1.0" encoding="utf-8"?>
+<p:sld xmlns:a="http://schemas.openxmlformats.org/drawingml/2006/main" xmlns:r="http://schemas.openxmlformats.org/officeDocument/2006/relationships" xmlns:p="http://schemas.openxmlformats.org/presentationml/2006/main">
   <p:cSld name="Slide 9">
     <p:bg>
       <p:bgPr>
@@ -9561,41 +9952,6 @@
               <a:t>감사합니다</a:t>
             </a:r>
             <a:endParaRPr lang="en-US" sz="1600" dirty="0"/>
-          </a:p>
-        </p:txBody>
-      </p:sp>
-      <p:sp>
-        <p:nvSpPr>
-          <p:cNvPr id="6" name="Object 6"/>
-          <p:cNvSpPr txBox="1"/>
-          <p:nvPr/>
-        </p:nvSpPr>
-        <p:spPr>
-          <a:xfrm>
-            <a:off x="5635652" y="9055907"/>
-            <a:ext cx="5663975" cy="502845"/>
-          </a:xfrm>
-          <a:prstGeom prst="rect">
-            <a:avLst/>
-          </a:prstGeom>
-          <a:noFill/>
-        </p:spPr>
-        <p:txBody>
-          <a:bodyPr wrap="square" rtlCol="0"/>
-          <a:lstStyle/>
-          <a:p>
-            <a:pPr algn="ctr"/>
-            <a:r>
-              <a:rPr lang="en-US" sz="2900" kern="0" spc="-300" dirty="0">
-                <a:solidFill>
-                  <a:srgbClr val="000000"/>
-                </a:solidFill>
-                <a:latin typeface="에스코어 드림 5" pitchFamily="34" charset="0"/>
-                <a:cs typeface="에스코어 드림 5" pitchFamily="34" charset="0"/>
-              </a:rPr>
-              <a:t>작성자 혹은 회사 이름</a:t>
-            </a:r>
-            <a:endParaRPr lang="en-US" dirty="0"/>
           </a:p>
         </p:txBody>
       </p:sp>
